--- a/sessions/session-04/slides.pptx
+++ b/sessions/session-04/slides.pptx
@@ -4999,7 +4999,540 @@
         </p:nvSpPr>
         <p:spPr>
           <a:xfrm>
-            <a:off x="355550" y="3636318"/>
+            <a:off x="355550" y="1569839"/>
+            <a:ext cx="8432899" cy="366861"/>
+          </a:xfrm>
+          <a:prstGeom prst="roundRect">
+            <a:avLst>
+              <a:gd name="adj" fmla="val 13847"/>
+            </a:avLst>
+          </a:prstGeom>
+          <a:solidFill>
+            <a:srgbClr val="1E5128"/>
+          </a:solidFill>
+          <a:ln/>
+        </p:spPr>
+        <p:txBody>
+          <a:bodyPr wrap="square" rtlCol="0" anchor="ctr"/>
+          <a:lstStyle/>
+          <a:p>
+            <a:pPr indent="0" marL="0">
+              <a:buNone/>
+            </a:pPr>
+            <a:endParaRPr lang="en-US" dirty="0"/>
+          </a:p>
+        </p:txBody>
+      </p:sp>
+      <p:sp>
+        <p:nvSpPr>
+          <p:cNvPr id="6" name="Text 4"/>
+          <p:cNvSpPr/>
+          <p:nvPr/>
+        </p:nvSpPr>
+        <p:spPr>
+          <a:xfrm>
+            <a:off x="355550" y="1569839"/>
+            <a:ext cx="2437376" cy="366861"/>
+          </a:xfrm>
+          <a:prstGeom prst="rect">
+            <a:avLst/>
+          </a:prstGeom>
+          <a:noFill/>
+          <a:ln/>
+        </p:spPr>
+        <p:txBody>
+          <a:bodyPr wrap="square" lIns="88900" tIns="63500" rIns="88900" bIns="63500" rtlCol="0" anchor="t"/>
+          <a:lstStyle/>
+          <a:p>
+            <a:pPr algn="l" indent="0" marL="0">
+              <a:lnSpc>
+                <a:spcPts val="1890"/>
+              </a:lnSpc>
+              <a:buNone/>
+            </a:pPr>
+            <a:r>
+              <a:rPr lang="en-US" sz="1400" b="1" dirty="0">
+                <a:solidFill>
+                  <a:srgbClr val="FFFFFF"/>
+                </a:solidFill>
+                <a:latin typeface="Arial" pitchFamily="34" charset="0"/>
+                <a:ea typeface="Arial" pitchFamily="34" charset="-122"/>
+                <a:cs typeface="Arial" pitchFamily="34" charset="-120"/>
+              </a:rPr>
+              <a:t>Method</a:t>
+            </a:r>
+            <a:endParaRPr lang="en-US" sz="1400" dirty="0"/>
+          </a:p>
+        </p:txBody>
+      </p:sp>
+      <p:sp>
+        <p:nvSpPr>
+          <p:cNvPr id="7" name="Text 5"/>
+          <p:cNvSpPr/>
+          <p:nvPr/>
+        </p:nvSpPr>
+        <p:spPr>
+          <a:xfrm>
+            <a:off x="2745135" y="1569839"/>
+            <a:ext cx="3082091" cy="366861"/>
+          </a:xfrm>
+          <a:prstGeom prst="rect">
+            <a:avLst/>
+          </a:prstGeom>
+          <a:noFill/>
+          <a:ln/>
+        </p:spPr>
+        <p:txBody>
+          <a:bodyPr wrap="square" lIns="88900" tIns="63500" rIns="88900" bIns="63500" rtlCol="0" anchor="t"/>
+          <a:lstStyle/>
+          <a:p>
+            <a:pPr algn="l" indent="0" marL="0">
+              <a:lnSpc>
+                <a:spcPts val="1890"/>
+              </a:lnSpc>
+              <a:buNone/>
+            </a:pPr>
+            <a:r>
+              <a:rPr lang="en-US" sz="1400" b="1" dirty="0">
+                <a:solidFill>
+                  <a:srgbClr val="FFFFFF"/>
+                </a:solidFill>
+                <a:latin typeface="Arial" pitchFamily="34" charset="0"/>
+                <a:ea typeface="Arial" pitchFamily="34" charset="-122"/>
+                <a:cs typeface="Arial" pitchFamily="34" charset="-120"/>
+              </a:rPr>
+              <a:t>When to Use</a:t>
+            </a:r>
+            <a:endParaRPr lang="en-US" sz="1400" dirty="0"/>
+          </a:p>
+        </p:txBody>
+      </p:sp>
+      <p:sp>
+        <p:nvSpPr>
+          <p:cNvPr id="8" name="Text 6"/>
+          <p:cNvSpPr/>
+          <p:nvPr/>
+        </p:nvSpPr>
+        <p:spPr>
+          <a:xfrm>
+            <a:off x="5766792" y="1569839"/>
+            <a:ext cx="3082091" cy="366861"/>
+          </a:xfrm>
+          <a:prstGeom prst="rect">
+            <a:avLst/>
+          </a:prstGeom>
+          <a:noFill/>
+          <a:ln/>
+        </p:spPr>
+        <p:txBody>
+          <a:bodyPr wrap="square" lIns="88900" tIns="63500" rIns="88900" bIns="63500" rtlCol="0" anchor="t"/>
+          <a:lstStyle/>
+          <a:p>
+            <a:pPr algn="l" indent="0" marL="0">
+              <a:lnSpc>
+                <a:spcPts val="1890"/>
+              </a:lnSpc>
+              <a:buNone/>
+            </a:pPr>
+            <a:r>
+              <a:rPr lang="en-US" sz="1400" b="1" dirty="0">
+                <a:solidFill>
+                  <a:srgbClr val="FFFFFF"/>
+                </a:solidFill>
+                <a:latin typeface="Arial" pitchFamily="34" charset="0"/>
+                <a:ea typeface="Arial" pitchFamily="34" charset="-122"/>
+                <a:cs typeface="Arial" pitchFamily="34" charset="-120"/>
+              </a:rPr>
+              <a:t>Example</a:t>
+            </a:r>
+            <a:endParaRPr lang="en-US" sz="1400" dirty="0"/>
+          </a:p>
+        </p:txBody>
+      </p:sp>
+      <p:sp>
+        <p:nvSpPr>
+          <p:cNvPr id="9" name="Text 7"/>
+          <p:cNvSpPr/>
+          <p:nvPr/>
+        </p:nvSpPr>
+        <p:spPr>
+          <a:xfrm>
+            <a:off x="355550" y="1936700"/>
+            <a:ext cx="8432899" cy="556617"/>
+          </a:xfrm>
+          <a:prstGeom prst="rect">
+            <a:avLst/>
+          </a:prstGeom>
+          <a:solidFill>
+            <a:srgbClr val="F4F1DE"/>
+          </a:solidFill>
+          <a:ln/>
+        </p:spPr>
+        <p:txBody>
+          <a:bodyPr wrap="square" rtlCol="0" anchor="ctr"/>
+          <a:lstStyle/>
+          <a:p>
+            <a:pPr indent="0" marL="0">
+              <a:buNone/>
+            </a:pPr>
+            <a:endParaRPr lang="en-US" dirty="0"/>
+          </a:p>
+        </p:txBody>
+      </p:sp>
+      <p:sp>
+        <p:nvSpPr>
+          <p:cNvPr id="10" name="Shape 8"/>
+          <p:cNvSpPr/>
+          <p:nvPr/>
+        </p:nvSpPr>
+        <p:spPr>
+          <a:xfrm>
+            <a:off x="355550" y="2488555"/>
+            <a:ext cx="8432899" cy="0"/>
+          </a:xfrm>
+          <a:prstGeom prst="line">
+            <a:avLst/>
+          </a:prstGeom>
+          <a:noFill/>
+          <a:ln w="9525">
+            <a:solidFill>
+              <a:srgbClr val="CCCCCC"/>
+            </a:solidFill>
+            <a:prstDash val="solid"/>
+          </a:ln>
+        </p:spPr>
+      </p:sp>
+      <p:sp>
+        <p:nvSpPr>
+          <p:cNvPr id="11" name="Text 9"/>
+          <p:cNvSpPr/>
+          <p:nvPr/>
+        </p:nvSpPr>
+        <p:spPr>
+          <a:xfrm>
+            <a:off x="355550" y="1936700"/>
+            <a:ext cx="2437376" cy="547092"/>
+          </a:xfrm>
+          <a:prstGeom prst="rect">
+            <a:avLst/>
+          </a:prstGeom>
+          <a:noFill/>
+          <a:ln/>
+        </p:spPr>
+        <p:txBody>
+          <a:bodyPr wrap="square" lIns="88900" tIns="50800" rIns="88900" bIns="50800" rtlCol="0" anchor="t"/>
+          <a:lstStyle/>
+          <a:p>
+            <a:pPr algn="l" indent="0" marL="0">
+              <a:lnSpc>
+                <a:spcPts val="1755"/>
+              </a:lnSpc>
+              <a:buNone/>
+            </a:pPr>
+            <a:r>
+              <a:rPr lang="en-US" sz="1300" b="1" dirty="0">
+                <a:solidFill>
+                  <a:srgbClr val="2C2C2C"/>
+                </a:solidFill>
+                <a:latin typeface="Arial" pitchFamily="34" charset="0"/>
+                <a:ea typeface="Arial" pitchFamily="34" charset="-122"/>
+                <a:cs typeface="Arial" pitchFamily="34" charset="-120"/>
+              </a:rPr>
+              <a:t>Direct edit</a:t>
+            </a:r>
+            <a:pPr algn="l" indent="0" marL="0">
+              <a:lnSpc>
+                <a:spcPts val="1755"/>
+              </a:lnSpc>
+              <a:buNone/>
+            </a:pPr>
+            <a:r>
+              <a:rPr lang="en-US" sz="1300" dirty="0">
+                <a:solidFill>
+                  <a:srgbClr val="2C2C2C"/>
+                </a:solidFill>
+                <a:latin typeface="Arial" pitchFamily="34" charset="0"/>
+                <a:ea typeface="Arial" pitchFamily="34" charset="-122"/>
+                <a:cs typeface="Arial" pitchFamily="34" charset="-120"/>
+              </a:rPr>
+              <a:t> (on your own repo)</a:t>
+            </a:r>
+            <a:endParaRPr lang="en-US" sz="1300" dirty="0"/>
+          </a:p>
+        </p:txBody>
+      </p:sp>
+      <p:sp>
+        <p:nvSpPr>
+          <p:cNvPr id="12" name="Text 10"/>
+          <p:cNvSpPr/>
+          <p:nvPr/>
+        </p:nvSpPr>
+        <p:spPr>
+          <a:xfrm>
+            <a:off x="2745135" y="1936700"/>
+            <a:ext cx="3082091" cy="547092"/>
+          </a:xfrm>
+          <a:prstGeom prst="rect">
+            <a:avLst/>
+          </a:prstGeom>
+          <a:noFill/>
+          <a:ln/>
+        </p:spPr>
+        <p:txBody>
+          <a:bodyPr wrap="square" lIns="88900" tIns="50800" rIns="88900" bIns="50800" rtlCol="0" anchor="t"/>
+          <a:lstStyle/>
+          <a:p>
+            <a:pPr algn="l" indent="0" marL="0">
+              <a:lnSpc>
+                <a:spcPts val="1755"/>
+              </a:lnSpc>
+              <a:buNone/>
+            </a:pPr>
+            <a:r>
+              <a:rPr lang="en-US" sz="1300" dirty="0">
+                <a:solidFill>
+                  <a:srgbClr val="2C2C2C"/>
+                </a:solidFill>
+                <a:latin typeface="Arial" pitchFamily="34" charset="0"/>
+                <a:ea typeface="Arial" pitchFamily="34" charset="-122"/>
+                <a:cs typeface="Arial" pitchFamily="34" charset="-120"/>
+              </a:rPr>
+              <a:t>You own it, small change, just you</a:t>
+            </a:r>
+            <a:endParaRPr lang="en-US" sz="1300" dirty="0"/>
+          </a:p>
+        </p:txBody>
+      </p:sp>
+      <p:sp>
+        <p:nvSpPr>
+          <p:cNvPr id="13" name="Text 11"/>
+          <p:cNvSpPr/>
+          <p:nvPr/>
+        </p:nvSpPr>
+        <p:spPr>
+          <a:xfrm>
+            <a:off x="5766792" y="1936700"/>
+            <a:ext cx="3082091" cy="547092"/>
+          </a:xfrm>
+          <a:prstGeom prst="rect">
+            <a:avLst/>
+          </a:prstGeom>
+          <a:noFill/>
+          <a:ln/>
+        </p:spPr>
+        <p:txBody>
+          <a:bodyPr wrap="square" lIns="88900" tIns="50800" rIns="88900" bIns="50800" rtlCol="0" anchor="t"/>
+          <a:lstStyle/>
+          <a:p>
+            <a:pPr algn="l" indent="0" marL="0">
+              <a:lnSpc>
+                <a:spcPts val="1755"/>
+              </a:lnSpc>
+              <a:buNone/>
+            </a:pPr>
+            <a:r>
+              <a:rPr lang="en-US" sz="1300" dirty="0">
+                <a:solidFill>
+                  <a:srgbClr val="2C2C2C"/>
+                </a:solidFill>
+                <a:latin typeface="Arial" pitchFamily="34" charset="0"/>
+                <a:ea typeface="Arial" pitchFamily="34" charset="-122"/>
+                <a:cs typeface="Arial" pitchFamily="34" charset="-120"/>
+              </a:rPr>
+              <a:t>Fix a typo in your own planting schedule</a:t>
+            </a:r>
+            <a:endParaRPr lang="en-US" sz="1300" dirty="0"/>
+          </a:p>
+        </p:txBody>
+      </p:sp>
+      <p:sp>
+        <p:nvSpPr>
+          <p:cNvPr id="14" name="Text 12"/>
+          <p:cNvSpPr/>
+          <p:nvPr/>
+        </p:nvSpPr>
+        <p:spPr>
+          <a:xfrm>
+            <a:off x="355550" y="2493318"/>
+            <a:ext cx="8432899" cy="556617"/>
+          </a:xfrm>
+          <a:prstGeom prst="rect">
+            <a:avLst/>
+          </a:prstGeom>
+          <a:solidFill>
+            <a:srgbClr val="FFFFFF"/>
+          </a:solidFill>
+          <a:ln/>
+        </p:spPr>
+        <p:txBody>
+          <a:bodyPr wrap="square" rtlCol="0" anchor="ctr"/>
+          <a:lstStyle/>
+          <a:p>
+            <a:pPr indent="0" marL="0">
+              <a:buNone/>
+            </a:pPr>
+            <a:endParaRPr lang="en-US" dirty="0"/>
+          </a:p>
+        </p:txBody>
+      </p:sp>
+      <p:sp>
+        <p:nvSpPr>
+          <p:cNvPr id="15" name="Shape 13"/>
+          <p:cNvSpPr/>
+          <p:nvPr/>
+        </p:nvSpPr>
+        <p:spPr>
+          <a:xfrm>
+            <a:off x="355550" y="3045172"/>
+            <a:ext cx="8432899" cy="0"/>
+          </a:xfrm>
+          <a:prstGeom prst="line">
+            <a:avLst/>
+          </a:prstGeom>
+          <a:noFill/>
+          <a:ln w="9525">
+            <a:solidFill>
+              <a:srgbClr val="CCCCCC"/>
+            </a:solidFill>
+            <a:prstDash val="solid"/>
+          </a:ln>
+        </p:spPr>
+      </p:sp>
+      <p:sp>
+        <p:nvSpPr>
+          <p:cNvPr id="16" name="Text 14"/>
+          <p:cNvSpPr/>
+          <p:nvPr/>
+        </p:nvSpPr>
+        <p:spPr>
+          <a:xfrm>
+            <a:off x="355550" y="2493318"/>
+            <a:ext cx="2437376" cy="547092"/>
+          </a:xfrm>
+          <a:prstGeom prst="rect">
+            <a:avLst/>
+          </a:prstGeom>
+          <a:noFill/>
+          <a:ln/>
+        </p:spPr>
+        <p:txBody>
+          <a:bodyPr wrap="square" lIns="88900" tIns="50800" rIns="88900" bIns="50800" rtlCol="0" anchor="t"/>
+          <a:lstStyle/>
+          <a:p>
+            <a:pPr algn="l" indent="0" marL="0">
+              <a:lnSpc>
+                <a:spcPts val="1755"/>
+              </a:lnSpc>
+              <a:buNone/>
+            </a:pPr>
+            <a:r>
+              <a:rPr lang="en-US" sz="1300" b="1" dirty="0">
+                <a:solidFill>
+                  <a:srgbClr val="2C2C2C"/>
+                </a:solidFill>
+                <a:latin typeface="Arial" pitchFamily="34" charset="0"/>
+                <a:ea typeface="Arial" pitchFamily="34" charset="-122"/>
+                <a:cs typeface="Arial" pitchFamily="34" charset="-120"/>
+              </a:rPr>
+              <a:t>Fork + Pull Request</a:t>
+            </a:r>
+            <a:endParaRPr lang="en-US" sz="1300" dirty="0"/>
+          </a:p>
+        </p:txBody>
+      </p:sp>
+      <p:sp>
+        <p:nvSpPr>
+          <p:cNvPr id="17" name="Text 15"/>
+          <p:cNvSpPr/>
+          <p:nvPr/>
+        </p:nvSpPr>
+        <p:spPr>
+          <a:xfrm>
+            <a:off x="2745135" y="2493318"/>
+            <a:ext cx="3082091" cy="547092"/>
+          </a:xfrm>
+          <a:prstGeom prst="rect">
+            <a:avLst/>
+          </a:prstGeom>
+          <a:noFill/>
+          <a:ln/>
+        </p:spPr>
+        <p:txBody>
+          <a:bodyPr wrap="square" lIns="88900" tIns="50800" rIns="88900" bIns="50800" rtlCol="0" anchor="t"/>
+          <a:lstStyle/>
+          <a:p>
+            <a:pPr algn="l" indent="0" marL="0">
+              <a:lnSpc>
+                <a:spcPts val="1755"/>
+              </a:lnSpc>
+              <a:buNone/>
+            </a:pPr>
+            <a:r>
+              <a:rPr lang="en-US" sz="1300" dirty="0">
+                <a:solidFill>
+                  <a:srgbClr val="2C2C2C"/>
+                </a:solidFill>
+                <a:latin typeface="Arial" pitchFamily="34" charset="0"/>
+                <a:ea typeface="Arial" pitchFamily="34" charset="-122"/>
+                <a:cs typeface="Arial" pitchFamily="34" charset="-120"/>
+              </a:rPr>
+              <a:t>Shared repo, team review needed, important changes</a:t>
+            </a:r>
+            <a:endParaRPr lang="en-US" sz="1300" dirty="0"/>
+          </a:p>
+        </p:txBody>
+      </p:sp>
+      <p:sp>
+        <p:nvSpPr>
+          <p:cNvPr id="18" name="Text 16"/>
+          <p:cNvSpPr/>
+          <p:nvPr/>
+        </p:nvSpPr>
+        <p:spPr>
+          <a:xfrm>
+            <a:off x="5766792" y="2493318"/>
+            <a:ext cx="3082091" cy="547092"/>
+          </a:xfrm>
+          <a:prstGeom prst="rect">
+            <a:avLst/>
+          </a:prstGeom>
+          <a:noFill/>
+          <a:ln/>
+        </p:spPr>
+        <p:txBody>
+          <a:bodyPr wrap="square" lIns="88900" tIns="50800" rIns="88900" bIns="50800" rtlCol="0" anchor="t"/>
+          <a:lstStyle/>
+          <a:p>
+            <a:pPr algn="l" indent="0" marL="0">
+              <a:lnSpc>
+                <a:spcPts val="1755"/>
+              </a:lnSpc>
+              <a:buNone/>
+            </a:pPr>
+            <a:r>
+              <a:rPr lang="en-US" sz="1300" dirty="0">
+                <a:solidFill>
+                  <a:srgbClr val="2C2C2C"/>
+                </a:solidFill>
+                <a:latin typeface="Arial" pitchFamily="34" charset="0"/>
+                <a:ea typeface="Arial" pitchFamily="34" charset="-122"/>
+                <a:cs typeface="Arial" pitchFamily="34" charset="-120"/>
+              </a:rPr>
+              <a:t>Update the official farm plan that the whole team uses</a:t>
+            </a:r>
+            <a:endParaRPr lang="en-US" sz="1300" dirty="0"/>
+          </a:p>
+        </p:txBody>
+      </p:sp>
+      <p:sp>
+        <p:nvSpPr>
+          <p:cNvPr id="19" name="Text 17"/>
+          <p:cNvSpPr/>
+          <p:nvPr/>
+        </p:nvSpPr>
+        <p:spPr>
+          <a:xfrm>
+            <a:off x="355550" y="3202186"/>
             <a:ext cx="8432899" cy="904875"/>
           </a:xfrm>
           <a:prstGeom prst="rect">
@@ -5023,13 +5556,13 @@
       </p:sp>
       <p:sp>
         <p:nvSpPr>
-          <p:cNvPr id="6" name="Shape 4"/>
-          <p:cNvSpPr/>
-          <p:nvPr/>
-        </p:nvSpPr>
-        <p:spPr>
-          <a:xfrm>
-            <a:off x="384125" y="3636318"/>
+          <p:cNvPr id="20" name="Shape 18"/>
+          <p:cNvSpPr/>
+          <p:nvPr/>
+        </p:nvSpPr>
+        <p:spPr>
+          <a:xfrm>
+            <a:off x="384125" y="3202186"/>
             <a:ext cx="0" cy="904875"/>
           </a:xfrm>
           <a:prstGeom prst="line">
@@ -5046,13 +5579,13 @@
       </p:sp>
       <p:sp>
         <p:nvSpPr>
-          <p:cNvPr id="7" name="Text 5"/>
-          <p:cNvSpPr/>
-          <p:nvPr/>
-        </p:nvSpPr>
-        <p:spPr>
-          <a:xfrm>
-            <a:off x="590401" y="3763119"/>
+          <p:cNvPr id="21" name="Text 19"/>
+          <p:cNvSpPr/>
+          <p:nvPr/>
+        </p:nvSpPr>
+        <p:spPr>
+          <a:xfrm>
+            <a:off x="590401" y="3328988"/>
             <a:ext cx="8180755" cy="651272"/>
           </a:xfrm>
           <a:prstGeom prst="rect">
@@ -9757,6 +10290,1238 @@
               <a:t>Key Vocabulary Review</a:t>
             </a:r>
             <a:endParaRPr lang="en-US" sz="2600" dirty="0"/>
+          </a:p>
+        </p:txBody>
+      </p:sp>
+      <p:sp>
+        <p:nvSpPr>
+          <p:cNvPr id="4" name="Text 2"/>
+          <p:cNvSpPr/>
+          <p:nvPr/>
+        </p:nvSpPr>
+        <p:spPr>
+          <a:xfrm>
+            <a:off x="355550" y="1117402"/>
+            <a:ext cx="8432899" cy="383977"/>
+          </a:xfrm>
+          <a:prstGeom prst="roundRect">
+            <a:avLst>
+              <a:gd name="adj" fmla="val 13230"/>
+            </a:avLst>
+          </a:prstGeom>
+          <a:solidFill>
+            <a:srgbClr val="1E5128"/>
+          </a:solidFill>
+          <a:ln/>
+        </p:spPr>
+        <p:txBody>
+          <a:bodyPr wrap="square" rtlCol="0" anchor="ctr"/>
+          <a:lstStyle/>
+          <a:p>
+            <a:pPr indent="0" marL="0">
+              <a:buNone/>
+            </a:pPr>
+            <a:endParaRPr lang="en-US" dirty="0"/>
+          </a:p>
+        </p:txBody>
+      </p:sp>
+      <p:sp>
+        <p:nvSpPr>
+          <p:cNvPr id="5" name="Text 3"/>
+          <p:cNvSpPr/>
+          <p:nvPr/>
+        </p:nvSpPr>
+        <p:spPr>
+          <a:xfrm>
+            <a:off x="355550" y="1117402"/>
+            <a:ext cx="1962683" cy="383977"/>
+          </a:xfrm>
+          <a:prstGeom prst="rect">
+            <a:avLst/>
+          </a:prstGeom>
+          <a:noFill/>
+          <a:ln/>
+        </p:spPr>
+        <p:txBody>
+          <a:bodyPr wrap="square" lIns="101600" tIns="63500" rIns="101600" bIns="63500" rtlCol="0" anchor="t"/>
+          <a:lstStyle/>
+          <a:p>
+            <a:pPr algn="l" indent="0" marL="0">
+              <a:lnSpc>
+                <a:spcPts val="2025"/>
+              </a:lnSpc>
+              <a:buNone/>
+            </a:pPr>
+            <a:r>
+              <a:rPr lang="en-US" sz="1500" b="1" dirty="0">
+                <a:solidFill>
+                  <a:srgbClr val="FFFFFF"/>
+                </a:solidFill>
+                <a:latin typeface="Arial" pitchFamily="34" charset="0"/>
+                <a:ea typeface="Arial" pitchFamily="34" charset="-122"/>
+                <a:cs typeface="Arial" pitchFamily="34" charset="-120"/>
+              </a:rPr>
+              <a:t>GitHub Term</a:t>
+            </a:r>
+            <a:endParaRPr lang="en-US" sz="1500" dirty="0"/>
+          </a:p>
+        </p:txBody>
+      </p:sp>
+      <p:sp>
+        <p:nvSpPr>
+          <p:cNvPr id="6" name="Text 4"/>
+          <p:cNvSpPr/>
+          <p:nvPr/>
+        </p:nvSpPr>
+        <p:spPr>
+          <a:xfrm>
+            <a:off x="2279749" y="1117402"/>
+            <a:ext cx="1962683" cy="383977"/>
+          </a:xfrm>
+          <a:prstGeom prst="rect">
+            <a:avLst/>
+          </a:prstGeom>
+          <a:noFill/>
+          <a:ln/>
+        </p:spPr>
+        <p:txBody>
+          <a:bodyPr wrap="square" lIns="101600" tIns="63500" rIns="101600" bIns="63500" rtlCol="0" anchor="t"/>
+          <a:lstStyle/>
+          <a:p>
+            <a:pPr algn="l" indent="0" marL="0">
+              <a:lnSpc>
+                <a:spcPts val="2025"/>
+              </a:lnSpc>
+              <a:buNone/>
+            </a:pPr>
+            <a:r>
+              <a:rPr lang="en-US" sz="1500" b="1" dirty="0">
+                <a:solidFill>
+                  <a:srgbClr val="FFFFFF"/>
+                </a:solidFill>
+                <a:latin typeface="Arial" pitchFamily="34" charset="0"/>
+                <a:ea typeface="Arial" pitchFamily="34" charset="-122"/>
+                <a:cs typeface="Arial" pitchFamily="34" charset="-120"/>
+              </a:rPr>
+              <a:t>Farm Analogy</a:t>
+            </a:r>
+            <a:endParaRPr lang="en-US" sz="1500" dirty="0"/>
+          </a:p>
+        </p:txBody>
+      </p:sp>
+      <p:sp>
+        <p:nvSpPr>
+          <p:cNvPr id="7" name="Text 5"/>
+          <p:cNvSpPr/>
+          <p:nvPr/>
+        </p:nvSpPr>
+        <p:spPr>
+          <a:xfrm>
+            <a:off x="4203948" y="1117402"/>
+            <a:ext cx="4676192" cy="383977"/>
+          </a:xfrm>
+          <a:prstGeom prst="rect">
+            <a:avLst/>
+          </a:prstGeom>
+          <a:noFill/>
+          <a:ln/>
+        </p:spPr>
+        <p:txBody>
+          <a:bodyPr wrap="square" lIns="101600" tIns="63500" rIns="101600" bIns="63500" rtlCol="0" anchor="t"/>
+          <a:lstStyle/>
+          <a:p>
+            <a:pPr algn="l" indent="0" marL="0">
+              <a:lnSpc>
+                <a:spcPts val="2025"/>
+              </a:lnSpc>
+              <a:buNone/>
+            </a:pPr>
+            <a:r>
+              <a:rPr lang="en-US" sz="1500" b="1" dirty="0">
+                <a:solidFill>
+                  <a:srgbClr val="FFFFFF"/>
+                </a:solidFill>
+                <a:latin typeface="Arial" pitchFamily="34" charset="0"/>
+                <a:ea typeface="Arial" pitchFamily="34" charset="-122"/>
+                <a:cs typeface="Arial" pitchFamily="34" charset="-120"/>
+              </a:rPr>
+              <a:t>Meaning</a:t>
+            </a:r>
+            <a:endParaRPr lang="en-US" sz="1500" dirty="0"/>
+          </a:p>
+        </p:txBody>
+      </p:sp>
+      <p:sp>
+        <p:nvSpPr>
+          <p:cNvPr id="8" name="Text 6"/>
+          <p:cNvSpPr/>
+          <p:nvPr/>
+        </p:nvSpPr>
+        <p:spPr>
+          <a:xfrm>
+            <a:off x="355550" y="1501378"/>
+            <a:ext cx="8432899" cy="368201"/>
+          </a:xfrm>
+          <a:prstGeom prst="rect">
+            <a:avLst/>
+          </a:prstGeom>
+          <a:solidFill>
+            <a:srgbClr val="F4F1DE"/>
+          </a:solidFill>
+          <a:ln/>
+        </p:spPr>
+        <p:txBody>
+          <a:bodyPr wrap="square" rtlCol="0" anchor="ctr"/>
+          <a:lstStyle/>
+          <a:p>
+            <a:pPr indent="0" marL="0">
+              <a:buNone/>
+            </a:pPr>
+            <a:endParaRPr lang="en-US" dirty="0"/>
+          </a:p>
+        </p:txBody>
+      </p:sp>
+      <p:sp>
+        <p:nvSpPr>
+          <p:cNvPr id="9" name="Shape 7"/>
+          <p:cNvSpPr/>
+          <p:nvPr/>
+        </p:nvSpPr>
+        <p:spPr>
+          <a:xfrm>
+            <a:off x="355550" y="1864816"/>
+            <a:ext cx="8432899" cy="0"/>
+          </a:xfrm>
+          <a:prstGeom prst="line">
+            <a:avLst/>
+          </a:prstGeom>
+          <a:noFill/>
+          <a:ln w="9525">
+            <a:solidFill>
+              <a:srgbClr val="CCCCCC"/>
+            </a:solidFill>
+            <a:prstDash val="solid"/>
+          </a:ln>
+        </p:spPr>
+      </p:sp>
+      <p:sp>
+        <p:nvSpPr>
+          <p:cNvPr id="10" name="Text 8"/>
+          <p:cNvSpPr/>
+          <p:nvPr/>
+        </p:nvSpPr>
+        <p:spPr>
+          <a:xfrm>
+            <a:off x="355550" y="1501378"/>
+            <a:ext cx="1962683" cy="358676"/>
+          </a:xfrm>
+          <a:prstGeom prst="rect">
+            <a:avLst/>
+          </a:prstGeom>
+          <a:noFill/>
+          <a:ln/>
+        </p:spPr>
+        <p:txBody>
+          <a:bodyPr wrap="square" lIns="101600" tIns="50800" rIns="101600" bIns="50800" rtlCol="0" anchor="t"/>
+          <a:lstStyle/>
+          <a:p>
+            <a:pPr algn="l" indent="0" marL="0">
+              <a:lnSpc>
+                <a:spcPts val="2025"/>
+              </a:lnSpc>
+              <a:buNone/>
+            </a:pPr>
+            <a:r>
+              <a:rPr lang="en-US" sz="1500" b="1" dirty="0">
+                <a:solidFill>
+                  <a:srgbClr val="2C2C2C"/>
+                </a:solidFill>
+                <a:latin typeface="Arial" pitchFamily="34" charset="0"/>
+                <a:ea typeface="Arial" pitchFamily="34" charset="-122"/>
+                <a:cs typeface="Arial" pitchFamily="34" charset="-120"/>
+              </a:rPr>
+              <a:t>Fork</a:t>
+            </a:r>
+            <a:endParaRPr lang="en-US" sz="1500" dirty="0"/>
+          </a:p>
+        </p:txBody>
+      </p:sp>
+      <p:sp>
+        <p:nvSpPr>
+          <p:cNvPr id="11" name="Text 9"/>
+          <p:cNvSpPr/>
+          <p:nvPr/>
+        </p:nvSpPr>
+        <p:spPr>
+          <a:xfrm>
+            <a:off x="2279749" y="1501378"/>
+            <a:ext cx="1962683" cy="358676"/>
+          </a:xfrm>
+          <a:prstGeom prst="rect">
+            <a:avLst/>
+          </a:prstGeom>
+          <a:noFill/>
+          <a:ln/>
+        </p:spPr>
+        <p:txBody>
+          <a:bodyPr wrap="square" lIns="101600" tIns="50800" rIns="101600" bIns="50800" rtlCol="0" anchor="t"/>
+          <a:lstStyle/>
+          <a:p>
+            <a:pPr algn="l" indent="0" marL="0">
+              <a:lnSpc>
+                <a:spcPts val="2025"/>
+              </a:lnSpc>
+              <a:buNone/>
+            </a:pPr>
+            <a:r>
+              <a:rPr lang="en-US" sz="1500" dirty="0">
+                <a:solidFill>
+                  <a:srgbClr val="2C2C2C"/>
+                </a:solidFill>
+                <a:latin typeface="Arial" pitchFamily="34" charset="0"/>
+                <a:ea typeface="Arial" pitchFamily="34" charset="-122"/>
+                <a:cs typeface="Arial" pitchFamily="34" charset="-120"/>
+              </a:rPr>
+              <a:t>Photocopy</a:t>
+            </a:r>
+            <a:endParaRPr lang="en-US" sz="1500" dirty="0"/>
+          </a:p>
+        </p:txBody>
+      </p:sp>
+      <p:sp>
+        <p:nvSpPr>
+          <p:cNvPr id="12" name="Text 10"/>
+          <p:cNvSpPr/>
+          <p:nvPr/>
+        </p:nvSpPr>
+        <p:spPr>
+          <a:xfrm>
+            <a:off x="4203948" y="1501378"/>
+            <a:ext cx="4676192" cy="358676"/>
+          </a:xfrm>
+          <a:prstGeom prst="rect">
+            <a:avLst/>
+          </a:prstGeom>
+          <a:noFill/>
+          <a:ln/>
+        </p:spPr>
+        <p:txBody>
+          <a:bodyPr wrap="square" lIns="101600" tIns="50800" rIns="101600" bIns="50800" rtlCol="0" anchor="t"/>
+          <a:lstStyle/>
+          <a:p>
+            <a:pPr algn="l" indent="0" marL="0">
+              <a:lnSpc>
+                <a:spcPts val="2025"/>
+              </a:lnSpc>
+              <a:buNone/>
+            </a:pPr>
+            <a:r>
+              <a:rPr lang="en-US" sz="1500" dirty="0">
+                <a:solidFill>
+                  <a:srgbClr val="2C2C2C"/>
+                </a:solidFill>
+                <a:latin typeface="Arial" pitchFamily="34" charset="0"/>
+                <a:ea typeface="Arial" pitchFamily="34" charset="-122"/>
+                <a:cs typeface="Arial" pitchFamily="34" charset="-120"/>
+              </a:rPr>
+              <a:t>Your own copy of a shared repository</a:t>
+            </a:r>
+            <a:endParaRPr lang="en-US" sz="1500" dirty="0"/>
+          </a:p>
+        </p:txBody>
+      </p:sp>
+      <p:sp>
+        <p:nvSpPr>
+          <p:cNvPr id="13" name="Text 11"/>
+          <p:cNvSpPr/>
+          <p:nvPr/>
+        </p:nvSpPr>
+        <p:spPr>
+          <a:xfrm>
+            <a:off x="355550" y="1869579"/>
+            <a:ext cx="8432899" cy="368201"/>
+          </a:xfrm>
+          <a:prstGeom prst="rect">
+            <a:avLst/>
+          </a:prstGeom>
+          <a:solidFill>
+            <a:srgbClr val="FFFFFF"/>
+          </a:solidFill>
+          <a:ln/>
+        </p:spPr>
+        <p:txBody>
+          <a:bodyPr wrap="square" rtlCol="0" anchor="ctr"/>
+          <a:lstStyle/>
+          <a:p>
+            <a:pPr indent="0" marL="0">
+              <a:buNone/>
+            </a:pPr>
+            <a:endParaRPr lang="en-US" dirty="0"/>
+          </a:p>
+        </p:txBody>
+      </p:sp>
+      <p:sp>
+        <p:nvSpPr>
+          <p:cNvPr id="14" name="Shape 12"/>
+          <p:cNvSpPr/>
+          <p:nvPr/>
+        </p:nvSpPr>
+        <p:spPr>
+          <a:xfrm>
+            <a:off x="355550" y="2233017"/>
+            <a:ext cx="8432899" cy="0"/>
+          </a:xfrm>
+          <a:prstGeom prst="line">
+            <a:avLst/>
+          </a:prstGeom>
+          <a:noFill/>
+          <a:ln w="9525">
+            <a:solidFill>
+              <a:srgbClr val="CCCCCC"/>
+            </a:solidFill>
+            <a:prstDash val="solid"/>
+          </a:ln>
+        </p:spPr>
+      </p:sp>
+      <p:sp>
+        <p:nvSpPr>
+          <p:cNvPr id="15" name="Text 13"/>
+          <p:cNvSpPr/>
+          <p:nvPr/>
+        </p:nvSpPr>
+        <p:spPr>
+          <a:xfrm>
+            <a:off x="355550" y="1869579"/>
+            <a:ext cx="1962683" cy="358676"/>
+          </a:xfrm>
+          <a:prstGeom prst="rect">
+            <a:avLst/>
+          </a:prstGeom>
+          <a:noFill/>
+          <a:ln/>
+        </p:spPr>
+        <p:txBody>
+          <a:bodyPr wrap="square" lIns="101600" tIns="50800" rIns="101600" bIns="50800" rtlCol="0" anchor="t"/>
+          <a:lstStyle/>
+          <a:p>
+            <a:pPr algn="l" indent="0" marL="0">
+              <a:lnSpc>
+                <a:spcPts val="2025"/>
+              </a:lnSpc>
+              <a:buNone/>
+            </a:pPr>
+            <a:r>
+              <a:rPr lang="en-US" sz="1500" b="1" dirty="0">
+                <a:solidFill>
+                  <a:srgbClr val="2C2C2C"/>
+                </a:solidFill>
+                <a:latin typeface="Arial" pitchFamily="34" charset="0"/>
+                <a:ea typeface="Arial" pitchFamily="34" charset="-122"/>
+                <a:cs typeface="Arial" pitchFamily="34" charset="-120"/>
+              </a:rPr>
+              <a:t>Commit</a:t>
+            </a:r>
+            <a:endParaRPr lang="en-US" sz="1500" dirty="0"/>
+          </a:p>
+        </p:txBody>
+      </p:sp>
+      <p:sp>
+        <p:nvSpPr>
+          <p:cNvPr id="16" name="Text 14"/>
+          <p:cNvSpPr/>
+          <p:nvPr/>
+        </p:nvSpPr>
+        <p:spPr>
+          <a:xfrm>
+            <a:off x="2279749" y="1869579"/>
+            <a:ext cx="1962683" cy="358676"/>
+          </a:xfrm>
+          <a:prstGeom prst="rect">
+            <a:avLst/>
+          </a:prstGeom>
+          <a:noFill/>
+          <a:ln/>
+        </p:spPr>
+        <p:txBody>
+          <a:bodyPr wrap="square" lIns="101600" tIns="50800" rIns="101600" bIns="50800" rtlCol="0" anchor="t"/>
+          <a:lstStyle/>
+          <a:p>
+            <a:pPr algn="l" indent="0" marL="0">
+              <a:lnSpc>
+                <a:spcPts val="2025"/>
+              </a:lnSpc>
+              <a:buNone/>
+            </a:pPr>
+            <a:r>
+              <a:rPr lang="en-US" sz="1500" dirty="0">
+                <a:solidFill>
+                  <a:srgbClr val="2C2C2C"/>
+                </a:solidFill>
+                <a:latin typeface="Arial" pitchFamily="34" charset="0"/>
+                <a:ea typeface="Arial" pitchFamily="34" charset="-122"/>
+                <a:cs typeface="Arial" pitchFamily="34" charset="-120"/>
+              </a:rPr>
+              <a:t>Sticky note</a:t>
+            </a:r>
+            <a:endParaRPr lang="en-US" sz="1500" dirty="0"/>
+          </a:p>
+        </p:txBody>
+      </p:sp>
+      <p:sp>
+        <p:nvSpPr>
+          <p:cNvPr id="17" name="Text 15"/>
+          <p:cNvSpPr/>
+          <p:nvPr/>
+        </p:nvSpPr>
+        <p:spPr>
+          <a:xfrm>
+            <a:off x="4203948" y="1869579"/>
+            <a:ext cx="4676192" cy="358676"/>
+          </a:xfrm>
+          <a:prstGeom prst="rect">
+            <a:avLst/>
+          </a:prstGeom>
+          <a:noFill/>
+          <a:ln/>
+        </p:spPr>
+        <p:txBody>
+          <a:bodyPr wrap="square" lIns="101600" tIns="50800" rIns="101600" bIns="50800" rtlCol="0" anchor="t"/>
+          <a:lstStyle/>
+          <a:p>
+            <a:pPr algn="l" indent="0" marL="0">
+              <a:lnSpc>
+                <a:spcPts val="2025"/>
+              </a:lnSpc>
+              <a:buNone/>
+            </a:pPr>
+            <a:r>
+              <a:rPr lang="en-US" sz="1500" dirty="0">
+                <a:solidFill>
+                  <a:srgbClr val="2C2C2C"/>
+                </a:solidFill>
+                <a:latin typeface="Arial" pitchFamily="34" charset="0"/>
+                <a:ea typeface="Arial" pitchFamily="34" charset="-122"/>
+                <a:cs typeface="Arial" pitchFamily="34" charset="-120"/>
+              </a:rPr>
+              <a:t>Saving changes with a description</a:t>
+            </a:r>
+            <a:endParaRPr lang="en-US" sz="1500" dirty="0"/>
+          </a:p>
+        </p:txBody>
+      </p:sp>
+      <p:sp>
+        <p:nvSpPr>
+          <p:cNvPr id="18" name="Text 16"/>
+          <p:cNvSpPr/>
+          <p:nvPr/>
+        </p:nvSpPr>
+        <p:spPr>
+          <a:xfrm>
+            <a:off x="355550" y="2237780"/>
+            <a:ext cx="8432899" cy="368201"/>
+          </a:xfrm>
+          <a:prstGeom prst="rect">
+            <a:avLst/>
+          </a:prstGeom>
+          <a:solidFill>
+            <a:srgbClr val="F4F1DE"/>
+          </a:solidFill>
+          <a:ln/>
+        </p:spPr>
+        <p:txBody>
+          <a:bodyPr wrap="square" rtlCol="0" anchor="ctr"/>
+          <a:lstStyle/>
+          <a:p>
+            <a:pPr indent="0" marL="0">
+              <a:buNone/>
+            </a:pPr>
+            <a:endParaRPr lang="en-US" dirty="0"/>
+          </a:p>
+        </p:txBody>
+      </p:sp>
+      <p:sp>
+        <p:nvSpPr>
+          <p:cNvPr id="19" name="Shape 17"/>
+          <p:cNvSpPr/>
+          <p:nvPr/>
+        </p:nvSpPr>
+        <p:spPr>
+          <a:xfrm>
+            <a:off x="355550" y="2601218"/>
+            <a:ext cx="8432899" cy="0"/>
+          </a:xfrm>
+          <a:prstGeom prst="line">
+            <a:avLst/>
+          </a:prstGeom>
+          <a:noFill/>
+          <a:ln w="9525">
+            <a:solidFill>
+              <a:srgbClr val="CCCCCC"/>
+            </a:solidFill>
+            <a:prstDash val="solid"/>
+          </a:ln>
+        </p:spPr>
+      </p:sp>
+      <p:sp>
+        <p:nvSpPr>
+          <p:cNvPr id="20" name="Text 18"/>
+          <p:cNvSpPr/>
+          <p:nvPr/>
+        </p:nvSpPr>
+        <p:spPr>
+          <a:xfrm>
+            <a:off x="355550" y="2237780"/>
+            <a:ext cx="1962683" cy="358676"/>
+          </a:xfrm>
+          <a:prstGeom prst="rect">
+            <a:avLst/>
+          </a:prstGeom>
+          <a:noFill/>
+          <a:ln/>
+        </p:spPr>
+        <p:txBody>
+          <a:bodyPr wrap="square" lIns="101600" tIns="50800" rIns="101600" bIns="50800" rtlCol="0" anchor="t"/>
+          <a:lstStyle/>
+          <a:p>
+            <a:pPr algn="l" indent="0" marL="0">
+              <a:lnSpc>
+                <a:spcPts val="2025"/>
+              </a:lnSpc>
+              <a:buNone/>
+            </a:pPr>
+            <a:r>
+              <a:rPr lang="en-US" sz="1500" b="1" dirty="0">
+                <a:solidFill>
+                  <a:srgbClr val="2C2C2C"/>
+                </a:solidFill>
+                <a:latin typeface="Arial" pitchFamily="34" charset="0"/>
+                <a:ea typeface="Arial" pitchFamily="34" charset="-122"/>
+                <a:cs typeface="Arial" pitchFamily="34" charset="-120"/>
+              </a:rPr>
+              <a:t>Pull Request</a:t>
+            </a:r>
+            <a:endParaRPr lang="en-US" sz="1500" dirty="0"/>
+          </a:p>
+        </p:txBody>
+      </p:sp>
+      <p:sp>
+        <p:nvSpPr>
+          <p:cNvPr id="21" name="Text 19"/>
+          <p:cNvSpPr/>
+          <p:nvPr/>
+        </p:nvSpPr>
+        <p:spPr>
+          <a:xfrm>
+            <a:off x="2279749" y="2237780"/>
+            <a:ext cx="1962683" cy="358676"/>
+          </a:xfrm>
+          <a:prstGeom prst="rect">
+            <a:avLst/>
+          </a:prstGeom>
+          <a:noFill/>
+          <a:ln/>
+        </p:spPr>
+        <p:txBody>
+          <a:bodyPr wrap="square" lIns="101600" tIns="50800" rIns="101600" bIns="50800" rtlCol="0" anchor="t"/>
+          <a:lstStyle/>
+          <a:p>
+            <a:pPr algn="l" indent="0" marL="0">
+              <a:lnSpc>
+                <a:spcPts val="2025"/>
+              </a:lnSpc>
+              <a:buNone/>
+            </a:pPr>
+            <a:r>
+              <a:rPr lang="en-US" sz="1500" dirty="0">
+                <a:solidFill>
+                  <a:srgbClr val="2C2C2C"/>
+                </a:solidFill>
+                <a:latin typeface="Arial" pitchFamily="34" charset="0"/>
+                <a:ea typeface="Arial" pitchFamily="34" charset="-122"/>
+                <a:cs typeface="Arial" pitchFamily="34" charset="-120"/>
+              </a:rPr>
+              <a:t>Marked-up copy</a:t>
+            </a:r>
+            <a:endParaRPr lang="en-US" sz="1500" dirty="0"/>
+          </a:p>
+        </p:txBody>
+      </p:sp>
+      <p:sp>
+        <p:nvSpPr>
+          <p:cNvPr id="22" name="Text 20"/>
+          <p:cNvSpPr/>
+          <p:nvPr/>
+        </p:nvSpPr>
+        <p:spPr>
+          <a:xfrm>
+            <a:off x="4203948" y="2237780"/>
+            <a:ext cx="4676192" cy="358676"/>
+          </a:xfrm>
+          <a:prstGeom prst="rect">
+            <a:avLst/>
+          </a:prstGeom>
+          <a:noFill/>
+          <a:ln/>
+        </p:spPr>
+        <p:txBody>
+          <a:bodyPr wrap="square" lIns="101600" tIns="50800" rIns="101600" bIns="50800" rtlCol="0" anchor="t"/>
+          <a:lstStyle/>
+          <a:p>
+            <a:pPr algn="l" indent="0" marL="0">
+              <a:lnSpc>
+                <a:spcPts val="2025"/>
+              </a:lnSpc>
+              <a:buNone/>
+            </a:pPr>
+            <a:r>
+              <a:rPr lang="en-US" sz="1500" dirty="0">
+                <a:solidFill>
+                  <a:srgbClr val="2C2C2C"/>
+                </a:solidFill>
+                <a:latin typeface="Arial" pitchFamily="34" charset="0"/>
+                <a:ea typeface="Arial" pitchFamily="34" charset="-122"/>
+                <a:cs typeface="Arial" pitchFamily="34" charset="-120"/>
+              </a:rPr>
+              <a:t>Request to merge changes into the original</a:t>
+            </a:r>
+            <a:endParaRPr lang="en-US" sz="1500" dirty="0"/>
+          </a:p>
+        </p:txBody>
+      </p:sp>
+      <p:sp>
+        <p:nvSpPr>
+          <p:cNvPr id="23" name="Text 21"/>
+          <p:cNvSpPr/>
+          <p:nvPr/>
+        </p:nvSpPr>
+        <p:spPr>
+          <a:xfrm>
+            <a:off x="355550" y="2605980"/>
+            <a:ext cx="8432899" cy="368201"/>
+          </a:xfrm>
+          <a:prstGeom prst="rect">
+            <a:avLst/>
+          </a:prstGeom>
+          <a:solidFill>
+            <a:srgbClr val="FFFFFF"/>
+          </a:solidFill>
+          <a:ln/>
+        </p:spPr>
+        <p:txBody>
+          <a:bodyPr wrap="square" rtlCol="0" anchor="ctr"/>
+          <a:lstStyle/>
+          <a:p>
+            <a:pPr indent="0" marL="0">
+              <a:buNone/>
+            </a:pPr>
+            <a:endParaRPr lang="en-US" dirty="0"/>
+          </a:p>
+        </p:txBody>
+      </p:sp>
+      <p:sp>
+        <p:nvSpPr>
+          <p:cNvPr id="24" name="Shape 22"/>
+          <p:cNvSpPr/>
+          <p:nvPr/>
+        </p:nvSpPr>
+        <p:spPr>
+          <a:xfrm>
+            <a:off x="355550" y="2969419"/>
+            <a:ext cx="8432899" cy="0"/>
+          </a:xfrm>
+          <a:prstGeom prst="line">
+            <a:avLst/>
+          </a:prstGeom>
+          <a:noFill/>
+          <a:ln w="9525">
+            <a:solidFill>
+              <a:srgbClr val="CCCCCC"/>
+            </a:solidFill>
+            <a:prstDash val="solid"/>
+          </a:ln>
+        </p:spPr>
+      </p:sp>
+      <p:sp>
+        <p:nvSpPr>
+          <p:cNvPr id="25" name="Text 23"/>
+          <p:cNvSpPr/>
+          <p:nvPr/>
+        </p:nvSpPr>
+        <p:spPr>
+          <a:xfrm>
+            <a:off x="355550" y="2605980"/>
+            <a:ext cx="1962683" cy="358676"/>
+          </a:xfrm>
+          <a:prstGeom prst="rect">
+            <a:avLst/>
+          </a:prstGeom>
+          <a:noFill/>
+          <a:ln/>
+        </p:spPr>
+        <p:txBody>
+          <a:bodyPr wrap="square" lIns="101600" tIns="50800" rIns="101600" bIns="50800" rtlCol="0" anchor="t"/>
+          <a:lstStyle/>
+          <a:p>
+            <a:pPr algn="l" indent="0" marL="0">
+              <a:lnSpc>
+                <a:spcPts val="2025"/>
+              </a:lnSpc>
+              <a:buNone/>
+            </a:pPr>
+            <a:r>
+              <a:rPr lang="en-US" sz="1500" b="1" dirty="0">
+                <a:solidFill>
+                  <a:srgbClr val="2C2C2C"/>
+                </a:solidFill>
+                <a:latin typeface="Arial" pitchFamily="34" charset="0"/>
+                <a:ea typeface="Arial" pitchFamily="34" charset="-122"/>
+                <a:cs typeface="Arial" pitchFamily="34" charset="-120"/>
+              </a:rPr>
+              <a:t>Review</a:t>
+            </a:r>
+            <a:endParaRPr lang="en-US" sz="1500" dirty="0"/>
+          </a:p>
+        </p:txBody>
+      </p:sp>
+      <p:sp>
+        <p:nvSpPr>
+          <p:cNvPr id="26" name="Text 24"/>
+          <p:cNvSpPr/>
+          <p:nvPr/>
+        </p:nvSpPr>
+        <p:spPr>
+          <a:xfrm>
+            <a:off x="2279749" y="2605980"/>
+            <a:ext cx="1962683" cy="358676"/>
+          </a:xfrm>
+          <a:prstGeom prst="rect">
+            <a:avLst/>
+          </a:prstGeom>
+          <a:noFill/>
+          <a:ln/>
+        </p:spPr>
+        <p:txBody>
+          <a:bodyPr wrap="square" lIns="101600" tIns="50800" rIns="101600" bIns="50800" rtlCol="0" anchor="t"/>
+          <a:lstStyle/>
+          <a:p>
+            <a:pPr algn="l" indent="0" marL="0">
+              <a:lnSpc>
+                <a:spcPts val="2025"/>
+              </a:lnSpc>
+              <a:buNone/>
+            </a:pPr>
+            <a:r>
+              <a:rPr lang="en-US" sz="1500" dirty="0">
+                <a:solidFill>
+                  <a:srgbClr val="2C2C2C"/>
+                </a:solidFill>
+                <a:latin typeface="Arial" pitchFamily="34" charset="0"/>
+                <a:ea typeface="Arial" pitchFamily="34" charset="-122"/>
+                <a:cs typeface="Arial" pitchFamily="34" charset="-120"/>
+              </a:rPr>
+              <a:t>Proofreading</a:t>
+            </a:r>
+            <a:endParaRPr lang="en-US" sz="1500" dirty="0"/>
+          </a:p>
+        </p:txBody>
+      </p:sp>
+      <p:sp>
+        <p:nvSpPr>
+          <p:cNvPr id="27" name="Text 25"/>
+          <p:cNvSpPr/>
+          <p:nvPr/>
+        </p:nvSpPr>
+        <p:spPr>
+          <a:xfrm>
+            <a:off x="4203948" y="2605980"/>
+            <a:ext cx="4676192" cy="358676"/>
+          </a:xfrm>
+          <a:prstGeom prst="rect">
+            <a:avLst/>
+          </a:prstGeom>
+          <a:noFill/>
+          <a:ln/>
+        </p:spPr>
+        <p:txBody>
+          <a:bodyPr wrap="square" lIns="101600" tIns="50800" rIns="101600" bIns="50800" rtlCol="0" anchor="t"/>
+          <a:lstStyle/>
+          <a:p>
+            <a:pPr algn="l" indent="0" marL="0">
+              <a:lnSpc>
+                <a:spcPts val="2025"/>
+              </a:lnSpc>
+              <a:buNone/>
+            </a:pPr>
+            <a:r>
+              <a:rPr lang="en-US" sz="1500" dirty="0">
+                <a:solidFill>
+                  <a:srgbClr val="2C2C2C"/>
+                </a:solidFill>
+                <a:latin typeface="Arial" pitchFamily="34" charset="0"/>
+                <a:ea typeface="Arial" pitchFamily="34" charset="-122"/>
+                <a:cs typeface="Arial" pitchFamily="34" charset="-120"/>
+              </a:rPr>
+              <a:t>Reading changes and giving feedback</a:t>
+            </a:r>
+            <a:endParaRPr lang="en-US" sz="1500" dirty="0"/>
+          </a:p>
+        </p:txBody>
+      </p:sp>
+      <p:sp>
+        <p:nvSpPr>
+          <p:cNvPr id="28" name="Text 26"/>
+          <p:cNvSpPr/>
+          <p:nvPr/>
+        </p:nvSpPr>
+        <p:spPr>
+          <a:xfrm>
+            <a:off x="355550" y="2974181"/>
+            <a:ext cx="8432899" cy="368201"/>
+          </a:xfrm>
+          <a:prstGeom prst="rect">
+            <a:avLst/>
+          </a:prstGeom>
+          <a:solidFill>
+            <a:srgbClr val="F4F1DE"/>
+          </a:solidFill>
+          <a:ln/>
+        </p:spPr>
+        <p:txBody>
+          <a:bodyPr wrap="square" rtlCol="0" anchor="ctr"/>
+          <a:lstStyle/>
+          <a:p>
+            <a:pPr indent="0" marL="0">
+              <a:buNone/>
+            </a:pPr>
+            <a:endParaRPr lang="en-US" dirty="0"/>
+          </a:p>
+        </p:txBody>
+      </p:sp>
+      <p:sp>
+        <p:nvSpPr>
+          <p:cNvPr id="29" name="Shape 27"/>
+          <p:cNvSpPr/>
+          <p:nvPr/>
+        </p:nvSpPr>
+        <p:spPr>
+          <a:xfrm>
+            <a:off x="355550" y="3337620"/>
+            <a:ext cx="8432899" cy="0"/>
+          </a:xfrm>
+          <a:prstGeom prst="line">
+            <a:avLst/>
+          </a:prstGeom>
+          <a:noFill/>
+          <a:ln w="9525">
+            <a:solidFill>
+              <a:srgbClr val="CCCCCC"/>
+            </a:solidFill>
+            <a:prstDash val="solid"/>
+          </a:ln>
+        </p:spPr>
+      </p:sp>
+      <p:sp>
+        <p:nvSpPr>
+          <p:cNvPr id="30" name="Text 28"/>
+          <p:cNvSpPr/>
+          <p:nvPr/>
+        </p:nvSpPr>
+        <p:spPr>
+          <a:xfrm>
+            <a:off x="355550" y="2974181"/>
+            <a:ext cx="1962683" cy="358676"/>
+          </a:xfrm>
+          <a:prstGeom prst="rect">
+            <a:avLst/>
+          </a:prstGeom>
+          <a:noFill/>
+          <a:ln/>
+        </p:spPr>
+        <p:txBody>
+          <a:bodyPr wrap="square" lIns="101600" tIns="50800" rIns="101600" bIns="50800" rtlCol="0" anchor="t"/>
+          <a:lstStyle/>
+          <a:p>
+            <a:pPr algn="l" indent="0" marL="0">
+              <a:lnSpc>
+                <a:spcPts val="2025"/>
+              </a:lnSpc>
+              <a:buNone/>
+            </a:pPr>
+            <a:r>
+              <a:rPr lang="en-US" sz="1500" b="1" dirty="0">
+                <a:solidFill>
+                  <a:srgbClr val="2C2C2C"/>
+                </a:solidFill>
+                <a:latin typeface="Arial" pitchFamily="34" charset="0"/>
+                <a:ea typeface="Arial" pitchFamily="34" charset="-122"/>
+                <a:cs typeface="Arial" pitchFamily="34" charset="-120"/>
+              </a:rPr>
+              <a:t>Merge</a:t>
+            </a:r>
+            <a:endParaRPr lang="en-US" sz="1500" dirty="0"/>
+          </a:p>
+        </p:txBody>
+      </p:sp>
+      <p:sp>
+        <p:nvSpPr>
+          <p:cNvPr id="31" name="Text 29"/>
+          <p:cNvSpPr/>
+          <p:nvPr/>
+        </p:nvSpPr>
+        <p:spPr>
+          <a:xfrm>
+            <a:off x="2279749" y="2974181"/>
+            <a:ext cx="1962683" cy="358676"/>
+          </a:xfrm>
+          <a:prstGeom prst="rect">
+            <a:avLst/>
+          </a:prstGeom>
+          <a:noFill/>
+          <a:ln/>
+        </p:spPr>
+        <p:txBody>
+          <a:bodyPr wrap="square" lIns="101600" tIns="50800" rIns="101600" bIns="50800" rtlCol="0" anchor="t"/>
+          <a:lstStyle/>
+          <a:p>
+            <a:pPr algn="l" indent="0" marL="0">
+              <a:lnSpc>
+                <a:spcPts val="2025"/>
+              </a:lnSpc>
+              <a:buNone/>
+            </a:pPr>
+            <a:r>
+              <a:rPr lang="en-US" sz="1500" dirty="0">
+                <a:solidFill>
+                  <a:srgbClr val="2C2C2C"/>
+                </a:solidFill>
+                <a:latin typeface="Arial" pitchFamily="34" charset="0"/>
+                <a:ea typeface="Arial" pitchFamily="34" charset="-122"/>
+                <a:cs typeface="Arial" pitchFamily="34" charset="-120"/>
+              </a:rPr>
+              <a:t>Accept changes</a:t>
+            </a:r>
+            <a:endParaRPr lang="en-US" sz="1500" dirty="0"/>
+          </a:p>
+        </p:txBody>
+      </p:sp>
+      <p:sp>
+        <p:nvSpPr>
+          <p:cNvPr id="32" name="Text 30"/>
+          <p:cNvSpPr/>
+          <p:nvPr/>
+        </p:nvSpPr>
+        <p:spPr>
+          <a:xfrm>
+            <a:off x="4203948" y="2974181"/>
+            <a:ext cx="4676192" cy="358676"/>
+          </a:xfrm>
+          <a:prstGeom prst="rect">
+            <a:avLst/>
+          </a:prstGeom>
+          <a:noFill/>
+          <a:ln/>
+        </p:spPr>
+        <p:txBody>
+          <a:bodyPr wrap="square" lIns="101600" tIns="50800" rIns="101600" bIns="50800" rtlCol="0" anchor="t"/>
+          <a:lstStyle/>
+          <a:p>
+            <a:pPr algn="l" indent="0" marL="0">
+              <a:lnSpc>
+                <a:spcPts val="2025"/>
+              </a:lnSpc>
+              <a:buNone/>
+            </a:pPr>
+            <a:r>
+              <a:rPr lang="en-US" sz="1500" dirty="0">
+                <a:solidFill>
+                  <a:srgbClr val="2C2C2C"/>
+                </a:solidFill>
+                <a:latin typeface="Arial" pitchFamily="34" charset="0"/>
+                <a:ea typeface="Arial" pitchFamily="34" charset="-122"/>
+                <a:cs typeface="Arial" pitchFamily="34" charset="-120"/>
+              </a:rPr>
+              <a:t>Making changes part of the official version</a:t>
+            </a:r>
+            <a:endParaRPr lang="en-US" sz="1500" dirty="0"/>
+          </a:p>
+        </p:txBody>
+      </p:sp>
+      <p:sp>
+        <p:nvSpPr>
+          <p:cNvPr id="33" name="Text 31"/>
+          <p:cNvSpPr/>
+          <p:nvPr/>
+        </p:nvSpPr>
+        <p:spPr>
+          <a:xfrm>
+            <a:off x="355550" y="3342382"/>
+            <a:ext cx="8432899" cy="368201"/>
+          </a:xfrm>
+          <a:prstGeom prst="rect">
+            <a:avLst/>
+          </a:prstGeom>
+          <a:solidFill>
+            <a:srgbClr val="FFFFFF"/>
+          </a:solidFill>
+          <a:ln/>
+        </p:spPr>
+        <p:txBody>
+          <a:bodyPr wrap="square" rtlCol="0" anchor="ctr"/>
+          <a:lstStyle/>
+          <a:p>
+            <a:pPr indent="0" marL="0">
+              <a:buNone/>
+            </a:pPr>
+            <a:endParaRPr lang="en-US" dirty="0"/>
+          </a:p>
+        </p:txBody>
+      </p:sp>
+      <p:sp>
+        <p:nvSpPr>
+          <p:cNvPr id="34" name="Shape 32"/>
+          <p:cNvSpPr/>
+          <p:nvPr/>
+        </p:nvSpPr>
+        <p:spPr>
+          <a:xfrm>
+            <a:off x="355550" y="3705820"/>
+            <a:ext cx="8432899" cy="0"/>
+          </a:xfrm>
+          <a:prstGeom prst="line">
+            <a:avLst/>
+          </a:prstGeom>
+          <a:noFill/>
+          <a:ln w="9525">
+            <a:solidFill>
+              <a:srgbClr val="CCCCCC"/>
+            </a:solidFill>
+            <a:prstDash val="solid"/>
+          </a:ln>
+        </p:spPr>
+      </p:sp>
+      <p:sp>
+        <p:nvSpPr>
+          <p:cNvPr id="35" name="Text 33"/>
+          <p:cNvSpPr/>
+          <p:nvPr/>
+        </p:nvSpPr>
+        <p:spPr>
+          <a:xfrm>
+            <a:off x="355550" y="3342382"/>
+            <a:ext cx="1962683" cy="358676"/>
+          </a:xfrm>
+          <a:prstGeom prst="rect">
+            <a:avLst/>
+          </a:prstGeom>
+          <a:noFill/>
+          <a:ln/>
+        </p:spPr>
+        <p:txBody>
+          <a:bodyPr wrap="square" lIns="101600" tIns="50800" rIns="101600" bIns="50800" rtlCol="0" anchor="t"/>
+          <a:lstStyle/>
+          <a:p>
+            <a:pPr algn="l" indent="0" marL="0">
+              <a:lnSpc>
+                <a:spcPts val="2025"/>
+              </a:lnSpc>
+              <a:buNone/>
+            </a:pPr>
+            <a:r>
+              <a:rPr lang="en-US" sz="1500" b="1" dirty="0">
+                <a:solidFill>
+                  <a:srgbClr val="2C2C2C"/>
+                </a:solidFill>
+                <a:latin typeface="Arial" pitchFamily="34" charset="0"/>
+                <a:ea typeface="Arial" pitchFamily="34" charset="-122"/>
+                <a:cs typeface="Arial" pitchFamily="34" charset="-120"/>
+              </a:rPr>
+              <a:t>Approve</a:t>
+            </a:r>
+            <a:endParaRPr lang="en-US" sz="1500" dirty="0"/>
+          </a:p>
+        </p:txBody>
+      </p:sp>
+      <p:sp>
+        <p:nvSpPr>
+          <p:cNvPr id="36" name="Text 34"/>
+          <p:cNvSpPr/>
+          <p:nvPr/>
+        </p:nvSpPr>
+        <p:spPr>
+          <a:xfrm>
+            <a:off x="2279749" y="3342382"/>
+            <a:ext cx="1962683" cy="358676"/>
+          </a:xfrm>
+          <a:prstGeom prst="rect">
+            <a:avLst/>
+          </a:prstGeom>
+          <a:noFill/>
+          <a:ln/>
+        </p:spPr>
+        <p:txBody>
+          <a:bodyPr wrap="square" lIns="101600" tIns="50800" rIns="101600" bIns="50800" rtlCol="0" anchor="t"/>
+          <a:lstStyle/>
+          <a:p>
+            <a:pPr algn="l" indent="0" marL="0">
+              <a:lnSpc>
+                <a:spcPts val="2025"/>
+              </a:lnSpc>
+              <a:buNone/>
+            </a:pPr>
+            <a:r>
+              <a:rPr lang="en-US" sz="1500" dirty="0">
+                <a:solidFill>
+                  <a:srgbClr val="2C2C2C"/>
+                </a:solidFill>
+                <a:latin typeface="Arial" pitchFamily="34" charset="0"/>
+                <a:ea typeface="Arial" pitchFamily="34" charset="-122"/>
+                <a:cs typeface="Arial" pitchFamily="34" charset="-120"/>
+              </a:rPr>
+              <a:t>"Looks good"</a:t>
+            </a:r>
+            <a:endParaRPr lang="en-US" sz="1500" dirty="0"/>
+          </a:p>
+        </p:txBody>
+      </p:sp>
+      <p:sp>
+        <p:nvSpPr>
+          <p:cNvPr id="37" name="Text 35"/>
+          <p:cNvSpPr/>
+          <p:nvPr/>
+        </p:nvSpPr>
+        <p:spPr>
+          <a:xfrm>
+            <a:off x="4203948" y="3342382"/>
+            <a:ext cx="4676192" cy="358676"/>
+          </a:xfrm>
+          <a:prstGeom prst="rect">
+            <a:avLst/>
+          </a:prstGeom>
+          <a:noFill/>
+          <a:ln/>
+        </p:spPr>
+        <p:txBody>
+          <a:bodyPr wrap="square" lIns="101600" tIns="50800" rIns="101600" bIns="50800" rtlCol="0" anchor="t"/>
+          <a:lstStyle/>
+          <a:p>
+            <a:pPr algn="l" indent="0" marL="0">
+              <a:lnSpc>
+                <a:spcPts val="2025"/>
+              </a:lnSpc>
+              <a:buNone/>
+            </a:pPr>
+            <a:r>
+              <a:rPr lang="en-US" sz="1500" dirty="0">
+                <a:solidFill>
+                  <a:srgbClr val="2C2C2C"/>
+                </a:solidFill>
+                <a:latin typeface="Arial" pitchFamily="34" charset="0"/>
+                <a:ea typeface="Arial" pitchFamily="34" charset="-122"/>
+                <a:cs typeface="Arial" pitchFamily="34" charset="-120"/>
+              </a:rPr>
+              <a:t>Signing off that changes are ready</a:t>
+            </a:r>
+            <a:endParaRPr lang="en-US" sz="1500" dirty="0"/>
           </a:p>
         </p:txBody>
       </p:sp>
